--- a/resources/UI Preview.pptx
+++ b/resources/UI Preview.pptx
@@ -107,6 +107,11 @@
       </a:defRPr>
     </a:lvl9pPr>
   </p:defaultTextStyle>
+  <p:extLst>
+    <p:ext uri="{EFAFB233-063F-42B5-8137-9DF3F51BA10A}">
+      <p15:sldGuideLst xmlns:p15="http://schemas.microsoft.com/office/powerpoint/2012/main"/>
+    </p:ext>
+  </p:extLst>
 </p:presentation>
 </file>
 
@@ -257,7 +262,7 @@
           <a:p>
             <a:fld id="{87FDE970-4CA1-4C3C-8C6B-79D51382BDDC}" type="datetimeFigureOut">
               <a:rPr lang="en-US" smtClean="0"/>
-              <a:t>9/17/2020</a:t>
+              <a:t>10/7/2020</a:t>
             </a:fld>
             <a:endParaRPr lang="en-US"/>
           </a:p>
@@ -455,7 +460,7 @@
           <a:p>
             <a:fld id="{87FDE970-4CA1-4C3C-8C6B-79D51382BDDC}" type="datetimeFigureOut">
               <a:rPr lang="en-US" smtClean="0"/>
-              <a:t>9/17/2020</a:t>
+              <a:t>10/7/2020</a:t>
             </a:fld>
             <a:endParaRPr lang="en-US"/>
           </a:p>
@@ -663,7 +668,7 @@
           <a:p>
             <a:fld id="{87FDE970-4CA1-4C3C-8C6B-79D51382BDDC}" type="datetimeFigureOut">
               <a:rPr lang="en-US" smtClean="0"/>
-              <a:t>9/17/2020</a:t>
+              <a:t>10/7/2020</a:t>
             </a:fld>
             <a:endParaRPr lang="en-US"/>
           </a:p>
@@ -861,7 +866,7 @@
           <a:p>
             <a:fld id="{87FDE970-4CA1-4C3C-8C6B-79D51382BDDC}" type="datetimeFigureOut">
               <a:rPr lang="en-US" smtClean="0"/>
-              <a:t>9/17/2020</a:t>
+              <a:t>10/7/2020</a:t>
             </a:fld>
             <a:endParaRPr lang="en-US"/>
           </a:p>
@@ -1136,7 +1141,7 @@
           <a:p>
             <a:fld id="{87FDE970-4CA1-4C3C-8C6B-79D51382BDDC}" type="datetimeFigureOut">
               <a:rPr lang="en-US" smtClean="0"/>
-              <a:t>9/17/2020</a:t>
+              <a:t>10/7/2020</a:t>
             </a:fld>
             <a:endParaRPr lang="en-US"/>
           </a:p>
@@ -1401,7 +1406,7 @@
           <a:p>
             <a:fld id="{87FDE970-4CA1-4C3C-8C6B-79D51382BDDC}" type="datetimeFigureOut">
               <a:rPr lang="en-US" smtClean="0"/>
-              <a:t>9/17/2020</a:t>
+              <a:t>10/7/2020</a:t>
             </a:fld>
             <a:endParaRPr lang="en-US"/>
           </a:p>
@@ -1813,7 +1818,7 @@
           <a:p>
             <a:fld id="{87FDE970-4CA1-4C3C-8C6B-79D51382BDDC}" type="datetimeFigureOut">
               <a:rPr lang="en-US" smtClean="0"/>
-              <a:t>9/17/2020</a:t>
+              <a:t>10/7/2020</a:t>
             </a:fld>
             <a:endParaRPr lang="en-US"/>
           </a:p>
@@ -1954,7 +1959,7 @@
           <a:p>
             <a:fld id="{87FDE970-4CA1-4C3C-8C6B-79D51382BDDC}" type="datetimeFigureOut">
               <a:rPr lang="en-US" smtClean="0"/>
-              <a:t>9/17/2020</a:t>
+              <a:t>10/7/2020</a:t>
             </a:fld>
             <a:endParaRPr lang="en-US"/>
           </a:p>
@@ -2067,7 +2072,7 @@
           <a:p>
             <a:fld id="{87FDE970-4CA1-4C3C-8C6B-79D51382BDDC}" type="datetimeFigureOut">
               <a:rPr lang="en-US" smtClean="0"/>
-              <a:t>9/17/2020</a:t>
+              <a:t>10/7/2020</a:t>
             </a:fld>
             <a:endParaRPr lang="en-US"/>
           </a:p>
@@ -2378,7 +2383,7 @@
           <a:p>
             <a:fld id="{87FDE970-4CA1-4C3C-8C6B-79D51382BDDC}" type="datetimeFigureOut">
               <a:rPr lang="en-US" smtClean="0"/>
-              <a:t>9/17/2020</a:t>
+              <a:t>10/7/2020</a:t>
             </a:fld>
             <a:endParaRPr lang="en-US"/>
           </a:p>
@@ -2666,7 +2671,7 @@
           <a:p>
             <a:fld id="{87FDE970-4CA1-4C3C-8C6B-79D51382BDDC}" type="datetimeFigureOut">
               <a:rPr lang="en-US" smtClean="0"/>
-              <a:t>9/17/2020</a:t>
+              <a:t>10/7/2020</a:t>
             </a:fld>
             <a:endParaRPr lang="en-US"/>
           </a:p>
@@ -2907,7 +2912,7 @@
           <a:p>
             <a:fld id="{87FDE970-4CA1-4C3C-8C6B-79D51382BDDC}" type="datetimeFigureOut">
               <a:rPr lang="en-US" smtClean="0"/>
-              <a:t>9/17/2020</a:t>
+              <a:t>10/7/2020</a:t>
             </a:fld>
             <a:endParaRPr lang="en-US"/>
           </a:p>
@@ -3356,7 +3361,7 @@
         </p:spPr>
         <p:txBody>
           <a:bodyPr>
-            <a:normAutofit lnSpcReduction="10000"/>
+            <a:normAutofit/>
           </a:bodyPr>
           <a:lstStyle/>
           <a:p>
@@ -3467,30 +3472,18 @@
                   </a:schemeClr>
                 </a:solidFill>
               </a:rPr>
-              <a:t>Parts Counter Menu</a:t>
-            </a:r>
-          </a:p>
-          <a:p>
-            <a:pPr marL="457200" indent="-457200" algn="l">
-              <a:buFont typeface="+mj-lt"/>
-              <a:buAutoNum type="arabicPeriod"/>
-            </a:pPr>
-            <a:r>
-              <a:rPr lang="en-US" dirty="0">
+              <a:t>Parts </a:t>
+            </a:r>
+            <a:r>
+              <a:rPr lang="en-US">
                 <a:solidFill>
                   <a:schemeClr val="accent6">
                     <a:lumMod val="75000"/>
                   </a:schemeClr>
                 </a:solidFill>
               </a:rPr>
-              <a:t>Work Order Menu</a:t>
-            </a:r>
-          </a:p>
-          <a:p>
-            <a:pPr marL="457200" indent="-457200" algn="l">
-              <a:buFont typeface="+mj-lt"/>
-              <a:buAutoNum type="arabicPeriod"/>
-            </a:pPr>
+              <a:t>Counter Menu</a:t>
+            </a:r>
             <a:endParaRPr lang="en-US" dirty="0">
               <a:solidFill>
                 <a:schemeClr val="accent6">
